--- a/URECA_Poster_v2.pptx
+++ b/URECA_Poster_v2.pptx
@@ -350,7 +350,7 @@
               <a:pPr>
                 <a:defRPr/>
               </a:pPr>
-              <a:t>9/3/2023</a:t>
+              <a:t>12/3/2023</a:t>
             </a:fld>
             <a:endParaRPr lang="en-SG"/>
           </a:p>
@@ -565,7 +565,7 @@
               <a:pPr>
                 <a:defRPr/>
               </a:pPr>
-              <a:t>9/3/2023</a:t>
+              <a:t>12/3/2023</a:t>
             </a:fld>
             <a:endParaRPr lang="en-SG"/>
           </a:p>
@@ -790,7 +790,7 @@
               <a:pPr>
                 <a:defRPr/>
               </a:pPr>
-              <a:t>9/3/2023</a:t>
+              <a:t>12/3/2023</a:t>
             </a:fld>
             <a:endParaRPr lang="en-SG"/>
           </a:p>
@@ -1005,7 +1005,7 @@
               <a:pPr>
                 <a:defRPr/>
               </a:pPr>
-              <a:t>9/3/2023</a:t>
+              <a:t>12/3/2023</a:t>
             </a:fld>
             <a:endParaRPr lang="en-SG"/>
           </a:p>
@@ -1296,7 +1296,7 @@
               <a:pPr>
                 <a:defRPr/>
               </a:pPr>
-              <a:t>9/3/2023</a:t>
+              <a:t>12/3/2023</a:t>
             </a:fld>
             <a:endParaRPr lang="en-SG"/>
           </a:p>
@@ -1629,7 +1629,7 @@
               <a:pPr>
                 <a:defRPr/>
               </a:pPr>
-              <a:t>9/3/2023</a:t>
+              <a:t>12/3/2023</a:t>
             </a:fld>
             <a:endParaRPr lang="en-SG"/>
           </a:p>
@@ -2096,7 +2096,7 @@
               <a:pPr>
                 <a:defRPr/>
               </a:pPr>
-              <a:t>9/3/2023</a:t>
+              <a:t>12/3/2023</a:t>
             </a:fld>
             <a:endParaRPr lang="en-SG"/>
           </a:p>
@@ -2259,7 +2259,7 @@
               <a:pPr>
                 <a:defRPr/>
               </a:pPr>
-              <a:t>9/3/2023</a:t>
+              <a:t>12/3/2023</a:t>
             </a:fld>
             <a:endParaRPr lang="en-SG"/>
           </a:p>
@@ -2399,7 +2399,7 @@
               <a:pPr>
                 <a:defRPr/>
               </a:pPr>
-              <a:t>9/3/2023</a:t>
+              <a:t>12/3/2023</a:t>
             </a:fld>
             <a:endParaRPr lang="en-SG"/>
           </a:p>
@@ -2721,7 +2721,7 @@
               <a:pPr>
                 <a:defRPr/>
               </a:pPr>
-              <a:t>9/3/2023</a:t>
+              <a:t>12/3/2023</a:t>
             </a:fld>
             <a:endParaRPr lang="en-SG"/>
           </a:p>
@@ -3022,7 +3022,7 @@
               <a:pPr>
                 <a:defRPr/>
               </a:pPr>
-              <a:t>9/3/2023</a:t>
+              <a:t>12/3/2023</a:t>
             </a:fld>
             <a:endParaRPr lang="en-SG"/>
           </a:p>
@@ -3349,7 +3349,7 @@
               <a:pPr>
                 <a:defRPr/>
               </a:pPr>
-              <a:t>9/3/2023</a:t>
+              <a:t>12/3/2023</a:t>
             </a:fld>
             <a:endParaRPr lang="en-SG"/>
           </a:p>
@@ -3883,6 +3883,182 @@
           <a:chExt cx="0" cy="0"/>
         </a:xfrm>
       </p:grpSpPr>
+      <p:grpSp>
+        <p:nvGrpSpPr>
+          <p:cNvPr id="77" name="Group 76">
+            <a:extLst>
+              <a:ext uri="{FF2B5EF4-FFF2-40B4-BE49-F238E27FC236}">
+                <a16:creationId xmlns:a16="http://schemas.microsoft.com/office/drawing/2014/main" id="{782C842C-C9CE-03C8-45E7-EF70D138A68D}"/>
+              </a:ext>
+            </a:extLst>
+          </p:cNvPr>
+          <p:cNvGrpSpPr/>
+          <p:nvPr/>
+        </p:nvGrpSpPr>
+        <p:grpSpPr>
+          <a:xfrm>
+            <a:off x="10909424" y="12485528"/>
+            <a:ext cx="5472608" cy="3406258"/>
+            <a:chOff x="10909424" y="12485528"/>
+            <a:chExt cx="5472608" cy="3406258"/>
+          </a:xfrm>
+        </p:grpSpPr>
+        <p:pic>
+          <p:nvPicPr>
+            <p:cNvPr id="76" name="Picture 75">
+              <a:extLst>
+                <a:ext uri="{FF2B5EF4-FFF2-40B4-BE49-F238E27FC236}">
+                  <a16:creationId xmlns:a16="http://schemas.microsoft.com/office/drawing/2014/main" id="{5B26EAA4-2C1E-DA71-A111-5C405852F671}"/>
+                </a:ext>
+              </a:extLst>
+            </p:cNvPr>
+            <p:cNvPicPr>
+              <a:picLocks noChangeAspect="1"/>
+            </p:cNvPicPr>
+            <p:nvPr/>
+          </p:nvPicPr>
+          <p:blipFill rotWithShape="1">
+            <a:blip r:embed="rId2"/>
+            <a:srcRect r="49448" b="24505"/>
+            <a:stretch/>
+          </p:blipFill>
+          <p:spPr>
+            <a:xfrm>
+              <a:off x="10909424" y="12485528"/>
+              <a:ext cx="5453738" cy="2819515"/>
+            </a:xfrm>
+            <a:prstGeom prst="rect">
+              <a:avLst/>
+            </a:prstGeom>
+          </p:spPr>
+        </p:pic>
+        <p:sp>
+          <p:nvSpPr>
+            <p:cNvPr id="3162" name="Text Box 36">
+              <a:extLst>
+                <a:ext uri="{FF2B5EF4-FFF2-40B4-BE49-F238E27FC236}">
+                  <a16:creationId xmlns:a16="http://schemas.microsoft.com/office/drawing/2014/main" id="{7AE0561C-4450-5FCA-DCD1-1CB09522F4AD}"/>
+                </a:ext>
+              </a:extLst>
+            </p:cNvPr>
+            <p:cNvSpPr txBox="1"/>
+            <p:nvPr/>
+          </p:nvSpPr>
+          <p:spPr>
+            <a:xfrm>
+              <a:off x="11129263" y="15110042"/>
+              <a:ext cx="5252769" cy="781744"/>
+            </a:xfrm>
+            <a:prstGeom prst="rect">
+              <a:avLst/>
+            </a:prstGeom>
+            <a:noFill/>
+            <a:ln w="6350">
+              <a:noFill/>
+            </a:ln>
+          </p:spPr>
+          <p:txBody>
+            <a:bodyPr rot="0" spcFirstLastPara="0" vert="horz" wrap="square" lIns="91440" tIns="45720" rIns="91440" bIns="45720" numCol="1" spcCol="0" rtlCol="0" fromWordArt="0" anchor="t" anchorCtr="0" forceAA="0" compatLnSpc="1">
+              <a:prstTxWarp prst="textNoShape">
+                <a:avLst/>
+              </a:prstTxWarp>
+              <a:noAutofit/>
+            </a:bodyPr>
+            <a:lstStyle/>
+            <a:p>
+              <a:pPr>
+                <a:lnSpc>
+                  <a:spcPct val="107000"/>
+                </a:lnSpc>
+                <a:spcAft>
+                  <a:spcPts val="800"/>
+                </a:spcAft>
+              </a:pPr>
+              <a:r>
+                <a:rPr lang="en-MY" sz="2000" dirty="0">
+                  <a:latin typeface="Arial" panose="020B0604020202020204" pitchFamily="34" charset="0"/>
+                  <a:ea typeface="DengXian" panose="02010600030101010101" pitchFamily="2" charset="-122"/>
+                  <a:cs typeface="Arial" panose="020B0604020202020204" pitchFamily="34" charset="0"/>
+                </a:rPr>
+                <a:t>Figure 1. Visualization of 3D reconstruction</a:t>
+              </a:r>
+              <a:br>
+                <a:rPr lang="en-MY" sz="2000" dirty="0">
+                  <a:latin typeface="Arial" panose="020B0604020202020204" pitchFamily="34" charset="0"/>
+                  <a:ea typeface="DengXian" panose="02010600030101010101" pitchFamily="2" charset="-122"/>
+                  <a:cs typeface="Arial" panose="020B0604020202020204" pitchFamily="34" charset="0"/>
+                </a:rPr>
+              </a:br>
+              <a:r>
+                <a:rPr lang="en-MY" sz="2000" dirty="0">
+                  <a:latin typeface="Arial" panose="020B0604020202020204" pitchFamily="34" charset="0"/>
+                  <a:ea typeface="DengXian" panose="02010600030101010101" pitchFamily="2" charset="-122"/>
+                  <a:cs typeface="Arial" panose="020B0604020202020204" pitchFamily="34" charset="0"/>
+                </a:rPr>
+                <a:t>               at the load of 50N</a:t>
+              </a:r>
+              <a:endParaRPr lang="en-US" sz="2000" dirty="0">
+                <a:effectLst/>
+                <a:latin typeface="Arial" panose="020B0604020202020204" pitchFamily="34" charset="0"/>
+                <a:ea typeface="DengXian" panose="02010600030101010101" pitchFamily="2" charset="-122"/>
+                <a:cs typeface="Arial" panose="020B0604020202020204" pitchFamily="34" charset="0"/>
+              </a:endParaRPr>
+            </a:p>
+          </p:txBody>
+        </p:sp>
+      </p:grpSp>
+      <p:sp>
+        <p:nvSpPr>
+          <p:cNvPr id="3164" name="Oval 3163">
+            <a:extLst>
+              <a:ext uri="{FF2B5EF4-FFF2-40B4-BE49-F238E27FC236}">
+                <a16:creationId xmlns:a16="http://schemas.microsoft.com/office/drawing/2014/main" id="{F6D236A8-6E56-0C98-D759-DD994D81E597}"/>
+              </a:ext>
+            </a:extLst>
+          </p:cNvPr>
+          <p:cNvSpPr/>
+          <p:nvPr/>
+        </p:nvSpPr>
+        <p:spPr>
+          <a:xfrm>
+            <a:off x="10821109" y="12998825"/>
+            <a:ext cx="2282830" cy="268081"/>
+          </a:xfrm>
+          <a:prstGeom prst="ellipse">
+            <a:avLst/>
+          </a:prstGeom>
+          <a:noFill/>
+          <a:ln>
+            <a:solidFill>
+              <a:srgbClr val="FF0000"/>
+            </a:solidFill>
+          </a:ln>
+        </p:spPr>
+        <p:style>
+          <a:lnRef idx="2">
+            <a:schemeClr val="accent1">
+              <a:shade val="50000"/>
+            </a:schemeClr>
+          </a:lnRef>
+          <a:fillRef idx="1">
+            <a:schemeClr val="accent1"/>
+          </a:fillRef>
+          <a:effectRef idx="0">
+            <a:schemeClr val="accent1"/>
+          </a:effectRef>
+          <a:fontRef idx="minor">
+            <a:schemeClr val="lt1"/>
+          </a:fontRef>
+        </p:style>
+        <p:txBody>
+          <a:bodyPr rtlCol="0" anchor="ctr"/>
+          <a:lstStyle/>
+          <a:p>
+            <a:pPr algn="ctr"/>
+            <a:endParaRPr lang="en-US"/>
+          </a:p>
+        </p:txBody>
+      </p:sp>
       <p:sp>
         <p:nvSpPr>
           <p:cNvPr id="3186" name="Arrow: Pentagon 3185">
@@ -4007,8 +4183,8 @@
         </p:nvSpPr>
         <p:spPr>
           <a:xfrm>
-            <a:off x="11490905" y="20143482"/>
-            <a:ext cx="9687932" cy="1081036"/>
+            <a:off x="10867332" y="21116651"/>
+            <a:ext cx="10311506" cy="1081036"/>
           </a:xfrm>
           <a:prstGeom prst="horizontalScroll">
             <a:avLst/>
@@ -4797,7 +4973,7 @@
           <p:nvPr/>
         </p:nvPicPr>
         <p:blipFill>
-          <a:blip r:embed="rId2">
+          <a:blip r:embed="rId3">
             <a:extLst>
               <a:ext uri="{28A0092B-C50C-407E-A947-70E740481C1C}">
                 <a14:useLocalDpi xmlns:a14="http://schemas.microsoft.com/office/drawing/2010/main" val="0"/>
@@ -5046,10 +5222,10 @@
           <p:nvPr/>
         </p:nvPicPr>
         <p:blipFill>
-          <a:blip r:embed="rId3">
+          <a:blip r:embed="rId4">
             <a:extLst>
               <a:ext uri="{837473B0-CC2E-450A-ABE3-18F120FF3D39}">
-                <a1611:picAttrSrcUrl xmlns:a1611="http://schemas.microsoft.com/office/drawing/2016/11/main" r:id="rId4"/>
+                <a1611:picAttrSrcUrl xmlns:a1611="http://schemas.microsoft.com/office/drawing/2016/11/main" r:id="rId5"/>
               </a:ext>
             </a:extLst>
           </a:blip>
@@ -6618,10 +6794,10 @@
           <p:nvPr/>
         </p:nvPicPr>
         <p:blipFill>
-          <a:blip r:embed="rId5">
+          <a:blip r:embed="rId6">
             <a:extLst>
               <a:ext uri="{837473B0-CC2E-450A-ABE3-18F120FF3D39}">
-                <a1611:picAttrSrcUrl xmlns:a1611="http://schemas.microsoft.com/office/drawing/2016/11/main" r:id="rId6"/>
+                <a1611:picAttrSrcUrl xmlns:a1611="http://schemas.microsoft.com/office/drawing/2016/11/main" r:id="rId7"/>
               </a:ext>
             </a:extLst>
           </a:blip>
@@ -9336,7 +9512,7 @@
           <p:nvPr/>
         </p:nvPicPr>
         <p:blipFill rotWithShape="1">
-          <a:blip r:embed="rId7">
+          <a:blip r:embed="rId8">
             <a:extLst>
               <a:ext uri="{28A0092B-C50C-407E-A947-70E740481C1C}">
                 <a14:useLocalDpi xmlns:a14="http://schemas.microsoft.com/office/drawing/2010/main" val="0"/>
@@ -9431,13 +9607,13 @@
           <p:nvPr/>
         </p:nvPicPr>
         <p:blipFill>
-          <a:blip r:embed="rId8">
+          <a:blip r:embed="rId9">
             <a:extLst>
               <a:ext uri="{28A0092B-C50C-407E-A947-70E740481C1C}">
                 <a14:useLocalDpi xmlns:a14="http://schemas.microsoft.com/office/drawing/2010/main" val="0"/>
               </a:ext>
               <a:ext uri="{837473B0-CC2E-450A-ABE3-18F120FF3D39}">
-                <a1611:picAttrSrcUrl xmlns:a1611="http://schemas.microsoft.com/office/drawing/2016/11/main" r:id="rId9"/>
+                <a1611:picAttrSrcUrl xmlns:a1611="http://schemas.microsoft.com/office/drawing/2016/11/main" r:id="rId10"/>
               </a:ext>
             </a:extLst>
           </a:blip>
@@ -9469,8 +9645,8 @@
         </p:nvSpPr>
         <p:spPr>
           <a:xfrm>
-            <a:off x="11470027" y="5378680"/>
-            <a:ext cx="9708810" cy="1081036"/>
+            <a:off x="10867331" y="5378680"/>
+            <a:ext cx="10311506" cy="1081036"/>
           </a:xfrm>
           <a:prstGeom prst="horizontalScroll">
             <a:avLst/>
@@ -9597,10 +9773,10 @@
           <p:nvPr/>
         </p:nvPicPr>
         <p:blipFill>
-          <a:blip r:embed="rId10">
+          <a:blip r:embed="rId11">
             <a:extLst>
               <a:ext uri="{837473B0-CC2E-450A-ABE3-18F120FF3D39}">
-                <a1611:picAttrSrcUrl xmlns:a1611="http://schemas.microsoft.com/office/drawing/2016/11/main" r:id="rId11"/>
+                <a1611:picAttrSrcUrl xmlns:a1611="http://schemas.microsoft.com/office/drawing/2016/11/main" r:id="rId12"/>
               </a:ext>
             </a:extLst>
           </a:blip>
@@ -9632,8 +9808,8 @@
         </p:nvSpPr>
         <p:spPr>
           <a:xfrm>
-            <a:off x="11490905" y="6561209"/>
-            <a:ext cx="9957982" cy="830997"/>
+            <a:off x="10858294" y="6561209"/>
+            <a:ext cx="10528506" cy="830997"/>
           </a:xfrm>
           <a:prstGeom prst="rect">
             <a:avLst/>
@@ -9655,7 +9831,7 @@
                 <a:latin typeface="Arial" panose="020B0604020202020204" pitchFamily="34" charset="0"/>
                 <a:cs typeface="Arial" panose="020B0604020202020204" pitchFamily="34" charset="0"/>
               </a:rPr>
-              <a:t>In Figure 1, notice that the spine angle value shows that the 3D reconstruction is quite reliable based only on image features.</a:t>
+              <a:t>In Figure 1 and Figure 3, notice that the spine angle value shows that the 3D reconstruction is quite reliable based only on image features.</a:t>
             </a:r>
           </a:p>
         </p:txBody>
@@ -9674,8 +9850,8 @@
         </p:nvSpPr>
         <p:spPr>
           <a:xfrm>
-            <a:off x="11490905" y="7511829"/>
-            <a:ext cx="9957982" cy="1569660"/>
+            <a:off x="10858293" y="7651155"/>
+            <a:ext cx="10520129" cy="1569660"/>
           </a:xfrm>
           <a:prstGeom prst="rect">
             <a:avLst/>
@@ -9697,7 +9873,35 @@
                 <a:latin typeface="Arial" panose="020B0604020202020204" pitchFamily="34" charset="0"/>
                 <a:cs typeface="Arial" panose="020B0604020202020204" pitchFamily="34" charset="0"/>
               </a:rPr>
-              <a:t>Setting the load as 120N, the red curve in Figure 2 displays injury risk over 12 repetitions. It indicates an accumulation of risk and increasing danger with more repetitions, contrasting with the green curves remaining constant value of risk probability.</a:t>
+              <a:t>Setting the load as 50N, the </a:t>
+            </a:r>
+            <a:r>
+              <a:rPr lang="en-US" sz="2400" i="1" dirty="0">
+                <a:latin typeface="Arial" panose="020B0604020202020204" pitchFamily="34" charset="0"/>
+                <a:cs typeface="Arial" panose="020B0604020202020204" pitchFamily="34" charset="0"/>
+              </a:rPr>
+              <a:t>red curve</a:t>
+            </a:r>
+            <a:r>
+              <a:rPr lang="en-US" sz="2400" dirty="0">
+                <a:latin typeface="Arial" panose="020B0604020202020204" pitchFamily="34" charset="0"/>
+                <a:cs typeface="Arial" panose="020B0604020202020204" pitchFamily="34" charset="0"/>
+              </a:rPr>
+              <a:t> in Figure 2 displays injury risk over 26 repetitions. It indicates an accumulation of risk and increasing danger with more repetitions, contrasting with the </a:t>
+            </a:r>
+            <a:r>
+              <a:rPr lang="en-US" sz="2400" i="1" dirty="0">
+                <a:latin typeface="Arial" panose="020B0604020202020204" pitchFamily="34" charset="0"/>
+                <a:cs typeface="Arial" panose="020B0604020202020204" pitchFamily="34" charset="0"/>
+              </a:rPr>
+              <a:t>green curve</a:t>
+            </a:r>
+            <a:r>
+              <a:rPr lang="en-US" sz="2400" dirty="0">
+                <a:latin typeface="Arial" panose="020B0604020202020204" pitchFamily="34" charset="0"/>
+                <a:cs typeface="Arial" panose="020B0604020202020204" pitchFamily="34" charset="0"/>
+              </a:rPr>
+              <a:t> remaining constant value of risk probability.</a:t>
             </a:r>
             <a:endParaRPr lang="en-MY" sz="2400" dirty="0">
               <a:latin typeface="Arial" panose="020B0604020202020204" pitchFamily="34" charset="0"/>
@@ -9720,8 +9924,8 @@
         </p:nvSpPr>
         <p:spPr>
           <a:xfrm>
-            <a:off x="11482530" y="9186596"/>
-            <a:ext cx="9945479" cy="830997"/>
+            <a:off x="10849919" y="9341885"/>
+            <a:ext cx="10536881" cy="1200329"/>
           </a:xfrm>
           <a:prstGeom prst="rect">
             <a:avLst/>
@@ -9743,7 +9947,7 @@
                 <a:latin typeface="Arial" panose="020B0604020202020204" pitchFamily="34" charset="0"/>
                 <a:cs typeface="Arial" panose="020B0604020202020204" pitchFamily="34" charset="0"/>
               </a:rPr>
-              <a:t>By adjusting the load’s weight to 150N, we obtain the result as shown in Figure 3, apparently the risk is much higher than Figure 2. </a:t>
+              <a:t>By adjusting the load’s weight to 250N, we obtain the result as shown in Figure 4, apparently the risk is much higher than Figure 2 over the same repetition. </a:t>
             </a:r>
           </a:p>
         </p:txBody>
@@ -9762,8 +9966,8 @@
         </p:nvSpPr>
         <p:spPr>
           <a:xfrm>
-            <a:off x="11470027" y="10257424"/>
-            <a:ext cx="9957982" cy="1200329"/>
+            <a:off x="10837416" y="10687983"/>
+            <a:ext cx="10536880" cy="1569660"/>
           </a:xfrm>
           <a:prstGeom prst="rect">
             <a:avLst/>
@@ -9785,7 +9989,49 @@
                 <a:latin typeface="Arial" panose="020B0604020202020204" pitchFamily="34" charset="0"/>
                 <a:cs typeface="Arial" panose="020B0604020202020204" pitchFamily="34" charset="0"/>
               </a:rPr>
-              <a:t>Lowering the back while carrying the same weight significantly increases the risk of injury (peak value of green curves represents peak low back flexion angle).</a:t>
+              <a:t>The value of the </a:t>
+            </a:r>
+            <a:r>
+              <a:rPr lang="en-US" sz="2400" i="1" dirty="0">
+                <a:latin typeface="Arial" panose="020B0604020202020204" pitchFamily="34" charset="0"/>
+                <a:cs typeface="Arial" panose="020B0604020202020204" pitchFamily="34" charset="0"/>
+              </a:rPr>
+              <a:t>red curve </a:t>
+            </a:r>
+            <a:r>
+              <a:rPr lang="en-US" sz="2400" dirty="0">
+                <a:latin typeface="Arial" panose="020B0604020202020204" pitchFamily="34" charset="0"/>
+                <a:cs typeface="Arial" panose="020B0604020202020204" pitchFamily="34" charset="0"/>
+              </a:rPr>
+              <a:t>(risk) is increased significantly at the peak value of the </a:t>
+            </a:r>
+            <a:r>
+              <a:rPr lang="en-US" sz="2400" i="1" dirty="0">
+                <a:latin typeface="Arial" panose="020B0604020202020204" pitchFamily="34" charset="0"/>
+                <a:cs typeface="Arial" panose="020B0604020202020204" pitchFamily="34" charset="0"/>
+              </a:rPr>
+              <a:t>green curve</a:t>
+            </a:r>
+            <a:r>
+              <a:rPr lang="en-US" sz="2400" dirty="0">
+                <a:latin typeface="Arial" panose="020B0604020202020204" pitchFamily="34" charset="0"/>
+                <a:cs typeface="Arial" panose="020B0604020202020204" pitchFamily="34" charset="0"/>
+              </a:rPr>
+              <a:t> which can be observed from Figure 2 and Figure 4, where the peak value of the </a:t>
+            </a:r>
+            <a:r>
+              <a:rPr lang="en-US" sz="2400" i="1" dirty="0">
+                <a:latin typeface="Arial" panose="020B0604020202020204" pitchFamily="34" charset="0"/>
+                <a:cs typeface="Arial" panose="020B0604020202020204" pitchFamily="34" charset="0"/>
+              </a:rPr>
+              <a:t>green curve</a:t>
+            </a:r>
+            <a:r>
+              <a:rPr lang="en-US" sz="2400" dirty="0">
+                <a:latin typeface="Arial" panose="020B0604020202020204" pitchFamily="34" charset="0"/>
+                <a:cs typeface="Arial" panose="020B0604020202020204" pitchFamily="34" charset="0"/>
+              </a:rPr>
+              <a:t> represents the peak lumbar compression force at the peak low back flexion angle. </a:t>
             </a:r>
             <a:endParaRPr lang="en-MY" sz="2400" dirty="0">
               <a:latin typeface="Arial" panose="020B0604020202020204" pitchFamily="34" charset="0"/>
@@ -9794,12 +10040,550 @@
           </a:p>
         </p:txBody>
       </p:sp>
+      <p:sp>
+        <p:nvSpPr>
+          <p:cNvPr id="3165" name="Text Box 6">
+            <a:extLst>
+              <a:ext uri="{FF2B5EF4-FFF2-40B4-BE49-F238E27FC236}">
+                <a16:creationId xmlns:a16="http://schemas.microsoft.com/office/drawing/2014/main" id="{4701245C-3064-74BC-8866-99A8000ED8E6}"/>
+              </a:ext>
+            </a:extLst>
+          </p:cNvPr>
+          <p:cNvSpPr txBox="1"/>
+          <p:nvPr/>
+        </p:nvSpPr>
+        <p:spPr>
+          <a:xfrm>
+            <a:off x="14993205" y="21346362"/>
+            <a:ext cx="3243818" cy="723348"/>
+          </a:xfrm>
+          <a:prstGeom prst="rect">
+            <a:avLst/>
+          </a:prstGeom>
+          <a:noFill/>
+          <a:ln w="6350">
+            <a:noFill/>
+          </a:ln>
+        </p:spPr>
+        <p:txBody>
+          <a:bodyPr rot="0" spcFirstLastPara="0" vert="horz" wrap="square" lIns="91440" tIns="45720" rIns="91440" bIns="45720" numCol="1" spcCol="0" rtlCol="0" fromWordArt="0" anchor="t" anchorCtr="0" forceAA="0" compatLnSpc="1">
+            <a:prstTxWarp prst="textNoShape">
+              <a:avLst/>
+            </a:prstTxWarp>
+            <a:noAutofit/>
+          </a:bodyPr>
+          <a:lstStyle/>
+          <a:p>
+            <a:pPr>
+              <a:lnSpc>
+                <a:spcPct val="107000"/>
+              </a:lnSpc>
+              <a:spcAft>
+                <a:spcPts val="800"/>
+              </a:spcAft>
+            </a:pPr>
+            <a:r>
+              <a:rPr lang="en-US" altLang="zh-CN" sz="4000" b="1" dirty="0">
+                <a:effectLst/>
+                <a:latin typeface="Arial" panose="020B0604020202020204" pitchFamily="34" charset="0"/>
+                <a:ea typeface="DengXian" panose="02010600030101010101" pitchFamily="2" charset="-122"/>
+                <a:cs typeface="Arial" panose="020B0604020202020204" pitchFamily="34" charset="0"/>
+              </a:rPr>
+              <a:t>Conclusion</a:t>
+            </a:r>
+            <a:endParaRPr lang="en-US" sz="3600" dirty="0">
+              <a:effectLst/>
+              <a:latin typeface="Arial" panose="020B0604020202020204" pitchFamily="34" charset="0"/>
+              <a:ea typeface="DengXian" panose="02010600030101010101" pitchFamily="2" charset="-122"/>
+              <a:cs typeface="Arial" panose="020B0604020202020204" pitchFamily="34" charset="0"/>
+            </a:endParaRPr>
+          </a:p>
+        </p:txBody>
+      </p:sp>
+      <p:pic>
+        <p:nvPicPr>
+          <p:cNvPr id="3166" name="Picture 3165" descr="A picture containing dark, black, night sky&#10;&#10;Description automatically generated">
+            <a:extLst>
+              <a:ext uri="{FF2B5EF4-FFF2-40B4-BE49-F238E27FC236}">
+                <a16:creationId xmlns:a16="http://schemas.microsoft.com/office/drawing/2014/main" id="{6CF4F918-E124-6A43-42DE-13AF9B9FA770}"/>
+              </a:ext>
+            </a:extLst>
+          </p:cNvPr>
+          <p:cNvPicPr>
+            <a:picLocks noChangeAspect="1"/>
+          </p:cNvPicPr>
+          <p:nvPr/>
+        </p:nvPicPr>
+        <p:blipFill>
+          <a:blip r:embed="rId13">
+            <a:extLst>
+              <a:ext uri="{28A0092B-C50C-407E-A947-70E740481C1C}">
+                <a14:useLocalDpi xmlns:a14="http://schemas.microsoft.com/office/drawing/2010/main" val="0"/>
+              </a:ext>
+            </a:extLst>
+          </a:blip>
+          <a:stretch>
+            <a:fillRect/>
+          </a:stretch>
+        </p:blipFill>
+        <p:spPr>
+          <a:xfrm>
+            <a:off x="14166740" y="21379166"/>
+            <a:ext cx="639995" cy="592692"/>
+          </a:xfrm>
+          <a:prstGeom prst="rect">
+            <a:avLst/>
+          </a:prstGeom>
+        </p:spPr>
+      </p:pic>
+      <p:sp>
+        <p:nvSpPr>
+          <p:cNvPr id="3167" name="TextBox 3166">
+            <a:extLst>
+              <a:ext uri="{FF2B5EF4-FFF2-40B4-BE49-F238E27FC236}">
+                <a16:creationId xmlns:a16="http://schemas.microsoft.com/office/drawing/2014/main" id="{E6BBF834-B2A2-25C3-D764-BF3678763695}"/>
+              </a:ext>
+            </a:extLst>
+          </p:cNvPr>
+          <p:cNvSpPr txBox="1"/>
+          <p:nvPr/>
+        </p:nvSpPr>
+        <p:spPr>
+          <a:xfrm>
+            <a:off x="10909424" y="22364492"/>
+            <a:ext cx="10477376" cy="2308324"/>
+          </a:xfrm>
+          <a:prstGeom prst="rect">
+            <a:avLst/>
+          </a:prstGeom>
+          <a:noFill/>
+        </p:spPr>
+        <p:txBody>
+          <a:bodyPr wrap="square">
+            <a:spAutoFit/>
+          </a:bodyPr>
+          <a:lstStyle/>
+          <a:p>
+            <a:r>
+              <a:rPr lang="en-MY" sz="2400" dirty="0">
+                <a:latin typeface="Arial" panose="020B0604020202020204" pitchFamily="34" charset="0"/>
+                <a:cs typeface="Arial" panose="020B0604020202020204" pitchFamily="34" charset="0"/>
+              </a:rPr>
+              <a:t>To conclude, heavier load’s weight, larger spine angle, and greater number of repetitions are the 3 key factors to injury risk probability. By considering the number of repetitions of the activity allows us to identify more high-risk behaviours.</a:t>
+            </a:r>
+          </a:p>
+          <a:p>
+            <a:r>
+              <a:rPr lang="en-MY" sz="2400" dirty="0">
+                <a:latin typeface="Arial" panose="020B0604020202020204" pitchFamily="34" charset="0"/>
+                <a:cs typeface="Arial" panose="020B0604020202020204" pitchFamily="34" charset="0"/>
+              </a:rPr>
+              <a:t>Furthermore, the accuracy of the 3D pose estimation technique allows us to replace wearable-based technique such as IMU by computer vision.</a:t>
+            </a:r>
+          </a:p>
+        </p:txBody>
+      </p:sp>
+      <p:sp>
+        <p:nvSpPr>
+          <p:cNvPr id="3183" name="Rectangle: Top Corners Rounded 3182">
+            <a:extLst>
+              <a:ext uri="{FF2B5EF4-FFF2-40B4-BE49-F238E27FC236}">
+                <a16:creationId xmlns:a16="http://schemas.microsoft.com/office/drawing/2014/main" id="{C5C1C091-4BC5-E963-2969-9595D5AC6FEB}"/>
+              </a:ext>
+            </a:extLst>
+          </p:cNvPr>
+          <p:cNvSpPr/>
+          <p:nvPr/>
+        </p:nvSpPr>
+        <p:spPr>
+          <a:xfrm rot="5400000" flipH="1">
+            <a:off x="4995450" y="12176341"/>
+            <a:ext cx="5489952" cy="4720505"/>
+          </a:xfrm>
+          <a:prstGeom prst="round2SameRect">
+            <a:avLst/>
+          </a:prstGeom>
+          <a:noFill/>
+          <a:ln>
+            <a:solidFill>
+              <a:schemeClr val="accent1">
+                <a:lumMod val="60000"/>
+                <a:lumOff val="40000"/>
+              </a:schemeClr>
+            </a:solidFill>
+          </a:ln>
+        </p:spPr>
+        <p:style>
+          <a:lnRef idx="2">
+            <a:schemeClr val="accent1">
+              <a:shade val="50000"/>
+            </a:schemeClr>
+          </a:lnRef>
+          <a:fillRef idx="1">
+            <a:schemeClr val="accent1"/>
+          </a:fillRef>
+          <a:effectRef idx="0">
+            <a:schemeClr val="accent1"/>
+          </a:effectRef>
+          <a:fontRef idx="minor">
+            <a:schemeClr val="lt1"/>
+          </a:fontRef>
+        </p:style>
+        <p:txBody>
+          <a:bodyPr rtlCol="0" anchor="ctr"/>
+          <a:lstStyle/>
+          <a:p>
+            <a:pPr algn="ctr"/>
+            <a:endParaRPr lang="en-US"/>
+          </a:p>
+        </p:txBody>
+      </p:sp>
+      <p:sp>
+        <p:nvSpPr>
+          <p:cNvPr id="3184" name="Scroll: Horizontal 3183">
+            <a:extLst>
+              <a:ext uri="{FF2B5EF4-FFF2-40B4-BE49-F238E27FC236}">
+                <a16:creationId xmlns:a16="http://schemas.microsoft.com/office/drawing/2014/main" id="{B160A403-CA33-B14F-EA9E-B99315412BFF}"/>
+              </a:ext>
+            </a:extLst>
+          </p:cNvPr>
+          <p:cNvSpPr/>
+          <p:nvPr/>
+        </p:nvSpPr>
+        <p:spPr>
+          <a:xfrm>
+            <a:off x="10909425" y="25016944"/>
+            <a:ext cx="10269412" cy="1081036"/>
+          </a:xfrm>
+          <a:prstGeom prst="horizontalScroll">
+            <a:avLst/>
+          </a:prstGeom>
+          <a:solidFill>
+            <a:schemeClr val="accent2">
+              <a:lumMod val="20000"/>
+              <a:lumOff val="80000"/>
+            </a:schemeClr>
+          </a:solidFill>
+          <a:ln>
+            <a:solidFill>
+              <a:schemeClr val="accent2">
+                <a:lumMod val="40000"/>
+                <a:lumOff val="60000"/>
+              </a:schemeClr>
+            </a:solidFill>
+          </a:ln>
+          <a:effectLst>
+            <a:innerShdw blurRad="63500" dist="50800" dir="13500000">
+              <a:prstClr val="black">
+                <a:alpha val="50000"/>
+              </a:prstClr>
+            </a:innerShdw>
+          </a:effectLst>
+        </p:spPr>
+        <p:style>
+          <a:lnRef idx="2">
+            <a:schemeClr val="accent1">
+              <a:shade val="50000"/>
+            </a:schemeClr>
+          </a:lnRef>
+          <a:fillRef idx="1">
+            <a:schemeClr val="accent1"/>
+          </a:fillRef>
+          <a:effectRef idx="0">
+            <a:schemeClr val="accent1"/>
+          </a:effectRef>
+          <a:fontRef idx="minor">
+            <a:schemeClr val="lt1"/>
+          </a:fontRef>
+        </p:style>
+        <p:txBody>
+          <a:bodyPr rtlCol="0" anchor="ctr"/>
+          <a:lstStyle/>
+          <a:p>
+            <a:pPr algn="ctr"/>
+            <a:endParaRPr lang="en-US"/>
+          </a:p>
+        </p:txBody>
+      </p:sp>
+      <p:sp>
+        <p:nvSpPr>
+          <p:cNvPr id="3185" name="Text Box 6">
+            <a:extLst>
+              <a:ext uri="{FF2B5EF4-FFF2-40B4-BE49-F238E27FC236}">
+                <a16:creationId xmlns:a16="http://schemas.microsoft.com/office/drawing/2014/main" id="{30D3C093-4892-8DF7-5D80-C3E49447A50E}"/>
+              </a:ext>
+            </a:extLst>
+          </p:cNvPr>
+          <p:cNvSpPr txBox="1"/>
+          <p:nvPr/>
+        </p:nvSpPr>
+        <p:spPr>
+          <a:xfrm>
+            <a:off x="15020797" y="25193888"/>
+            <a:ext cx="3353917" cy="671493"/>
+          </a:xfrm>
+          <a:prstGeom prst="rect">
+            <a:avLst/>
+          </a:prstGeom>
+          <a:noFill/>
+          <a:ln w="6350">
+            <a:noFill/>
+          </a:ln>
+        </p:spPr>
+        <p:txBody>
+          <a:bodyPr rot="0" spcFirstLastPara="0" vert="horz" wrap="square" lIns="91440" tIns="45720" rIns="91440" bIns="45720" numCol="1" spcCol="0" rtlCol="0" fromWordArt="0" anchor="t" anchorCtr="0" forceAA="0" compatLnSpc="1">
+            <a:prstTxWarp prst="textNoShape">
+              <a:avLst/>
+            </a:prstTxWarp>
+            <a:noAutofit/>
+          </a:bodyPr>
+          <a:lstStyle/>
+          <a:p>
+            <a:pPr>
+              <a:lnSpc>
+                <a:spcPct val="107000"/>
+              </a:lnSpc>
+              <a:spcAft>
+                <a:spcPts val="800"/>
+              </a:spcAft>
+            </a:pPr>
+            <a:r>
+              <a:rPr lang="en-US" altLang="zh-CN" sz="4000" b="1" dirty="0">
+                <a:effectLst/>
+                <a:latin typeface="Arial" panose="020B0604020202020204" pitchFamily="34" charset="0"/>
+                <a:ea typeface="DengXian" panose="02010600030101010101" pitchFamily="2" charset="-122"/>
+                <a:cs typeface="Arial" panose="020B0604020202020204" pitchFamily="34" charset="0"/>
+              </a:rPr>
+              <a:t>Future Work</a:t>
+            </a:r>
+            <a:endParaRPr lang="en-US" sz="4000" dirty="0">
+              <a:effectLst/>
+              <a:latin typeface="Arial" panose="020B0604020202020204" pitchFamily="34" charset="0"/>
+              <a:ea typeface="DengXian" panose="02010600030101010101" pitchFamily="2" charset="-122"/>
+              <a:cs typeface="Arial" panose="020B0604020202020204" pitchFamily="34" charset="0"/>
+            </a:endParaRPr>
+          </a:p>
+        </p:txBody>
+      </p:sp>
+      <p:pic>
+        <p:nvPicPr>
+          <p:cNvPr id="3187" name="Picture 3186" descr="Text&#10;&#10;Description automatically generated">
+            <a:extLst>
+              <a:ext uri="{FF2B5EF4-FFF2-40B4-BE49-F238E27FC236}">
+                <a16:creationId xmlns:a16="http://schemas.microsoft.com/office/drawing/2014/main" id="{2F50E410-2E42-AC05-542E-EC9FFC7A7CE8}"/>
+              </a:ext>
+            </a:extLst>
+          </p:cNvPr>
+          <p:cNvPicPr>
+            <a:picLocks noChangeAspect="1"/>
+          </p:cNvPicPr>
+          <p:nvPr/>
+        </p:nvPicPr>
+        <p:blipFill>
+          <a:blip r:embed="rId14">
+            <a:extLst>
+              <a:ext uri="{28A0092B-C50C-407E-A947-70E740481C1C}">
+                <a14:useLocalDpi xmlns:a14="http://schemas.microsoft.com/office/drawing/2010/main" val="0"/>
+              </a:ext>
+            </a:extLst>
+          </a:blip>
+          <a:stretch>
+            <a:fillRect/>
+          </a:stretch>
+        </p:blipFill>
+        <p:spPr>
+          <a:xfrm>
+            <a:off x="14121711" y="25182401"/>
+            <a:ext cx="640285" cy="1042750"/>
+          </a:xfrm>
+          <a:prstGeom prst="rect">
+            <a:avLst/>
+          </a:prstGeom>
+        </p:spPr>
+      </p:pic>
+      <p:sp>
+        <p:nvSpPr>
+          <p:cNvPr id="3188" name="TextBox 3187">
+            <a:extLst>
+              <a:ext uri="{FF2B5EF4-FFF2-40B4-BE49-F238E27FC236}">
+                <a16:creationId xmlns:a16="http://schemas.microsoft.com/office/drawing/2014/main" id="{E15683AC-5BC1-8A17-439D-F275B0D44E03}"/>
+              </a:ext>
+            </a:extLst>
+          </p:cNvPr>
+          <p:cNvSpPr txBox="1"/>
+          <p:nvPr/>
+        </p:nvSpPr>
+        <p:spPr>
+          <a:xfrm>
+            <a:off x="10909424" y="26297159"/>
+            <a:ext cx="10464871" cy="2308324"/>
+          </a:xfrm>
+          <a:prstGeom prst="rect">
+            <a:avLst/>
+          </a:prstGeom>
+          <a:noFill/>
+        </p:spPr>
+        <p:txBody>
+          <a:bodyPr wrap="square">
+            <a:spAutoFit/>
+          </a:bodyPr>
+          <a:lstStyle/>
+          <a:p>
+            <a:r>
+              <a:rPr lang="en-MY" sz="2400" dirty="0">
+                <a:latin typeface="Arial" panose="020B0604020202020204" pitchFamily="34" charset="0"/>
+                <a:cs typeface="Arial" panose="020B0604020202020204" pitchFamily="34" charset="0"/>
+              </a:rPr>
+              <a:t>Using average muscle area of both genders at a certain range of age may not apply to more extreme cases in terms of body fitness. And hence, more customizable ergonomic risk assessment framework can be developed in future to enhance the work. </a:t>
+            </a:r>
+            <a:br>
+              <a:rPr lang="en-MY" sz="2400" dirty="0">
+                <a:latin typeface="Arial" panose="020B0604020202020204" pitchFamily="34" charset="0"/>
+                <a:cs typeface="Arial" panose="020B0604020202020204" pitchFamily="34" charset="0"/>
+              </a:rPr>
+            </a:br>
+            <a:r>
+              <a:rPr lang="en-MY" sz="2400" dirty="0">
+                <a:latin typeface="Arial" panose="020B0604020202020204" pitchFamily="34" charset="0"/>
+                <a:cs typeface="Arial" panose="020B0604020202020204" pitchFamily="34" charset="0"/>
+              </a:rPr>
+              <a:t>Besides, the hyperparameters adjustment may be optimized for the risk probability prediction.</a:t>
+            </a:r>
+          </a:p>
+        </p:txBody>
+      </p:sp>
+      <p:cxnSp>
+        <p:nvCxnSpPr>
+          <p:cNvPr id="3191" name="Straight Connector 3190">
+            <a:extLst>
+              <a:ext uri="{FF2B5EF4-FFF2-40B4-BE49-F238E27FC236}">
+                <a16:creationId xmlns:a16="http://schemas.microsoft.com/office/drawing/2014/main" id="{FE3C8FDA-81FF-C50E-FF10-451E4B2A3F32}"/>
+              </a:ext>
+            </a:extLst>
+          </p:cNvPr>
+          <p:cNvCxnSpPr>
+            <a:cxnSpLocks/>
+          </p:cNvCxnSpPr>
+          <p:nvPr/>
+        </p:nvCxnSpPr>
+        <p:spPr>
+          <a:xfrm>
+            <a:off x="10693400" y="5591658"/>
+            <a:ext cx="0" cy="23157841"/>
+          </a:xfrm>
+          <a:prstGeom prst="line">
+            <a:avLst/>
+          </a:prstGeom>
+        </p:spPr>
+        <p:style>
+          <a:lnRef idx="1">
+            <a:schemeClr val="dk1"/>
+          </a:lnRef>
+          <a:fillRef idx="0">
+            <a:schemeClr val="dk1"/>
+          </a:fillRef>
+          <a:effectRef idx="0">
+            <a:schemeClr val="dk1"/>
+          </a:effectRef>
+          <a:fontRef idx="minor">
+            <a:schemeClr val="tx1"/>
+          </a:fontRef>
+        </p:style>
+      </p:cxnSp>
+      <p:sp>
+        <p:nvSpPr>
+          <p:cNvPr id="3159" name="Text Box 36">
+            <a:extLst>
+              <a:ext uri="{FF2B5EF4-FFF2-40B4-BE49-F238E27FC236}">
+                <a16:creationId xmlns:a16="http://schemas.microsoft.com/office/drawing/2014/main" id="{E72F1F54-AF18-45D2-66F4-639B8C7EA9F1}"/>
+              </a:ext>
+            </a:extLst>
+          </p:cNvPr>
+          <p:cNvSpPr txBox="1"/>
+          <p:nvPr/>
+        </p:nvSpPr>
+        <p:spPr>
+          <a:xfrm>
+            <a:off x="16795727" y="15965026"/>
+            <a:ext cx="4436919" cy="430829"/>
+          </a:xfrm>
+          <a:prstGeom prst="rect">
+            <a:avLst/>
+          </a:prstGeom>
+          <a:noFill/>
+          <a:ln w="6350">
+            <a:noFill/>
+          </a:ln>
+        </p:spPr>
+        <p:txBody>
+          <a:bodyPr rot="0" spcFirstLastPara="0" vert="horz" wrap="square" lIns="91440" tIns="45720" rIns="91440" bIns="45720" numCol="1" spcCol="0" rtlCol="0" fromWordArt="0" anchor="t" anchorCtr="0" forceAA="0" compatLnSpc="1">
+            <a:prstTxWarp prst="textNoShape">
+              <a:avLst/>
+            </a:prstTxWarp>
+            <a:noAutofit/>
+          </a:bodyPr>
+          <a:lstStyle/>
+          <a:p>
+            <a:pPr>
+              <a:lnSpc>
+                <a:spcPct val="107000"/>
+              </a:lnSpc>
+              <a:spcAft>
+                <a:spcPts val="800"/>
+              </a:spcAft>
+            </a:pPr>
+            <a:r>
+              <a:rPr lang="en-MY" sz="2000" dirty="0">
+                <a:latin typeface="Arial" panose="020B0604020202020204" pitchFamily="34" charset="0"/>
+                <a:ea typeface="DengXian" panose="02010600030101010101" pitchFamily="2" charset="-122"/>
+                <a:cs typeface="Arial" panose="020B0604020202020204" pitchFamily="34" charset="0"/>
+              </a:rPr>
+              <a:t>Figure 2. Risk % at the load of 50N</a:t>
+            </a:r>
+            <a:endParaRPr lang="en-US" sz="2000" dirty="0">
+              <a:effectLst/>
+              <a:latin typeface="Arial" panose="020B0604020202020204" pitchFamily="34" charset="0"/>
+              <a:ea typeface="DengXian" panose="02010600030101010101" pitchFamily="2" charset="-122"/>
+              <a:cs typeface="Arial" panose="020B0604020202020204" pitchFamily="34" charset="0"/>
+            </a:endParaRPr>
+          </a:p>
+        </p:txBody>
+      </p:sp>
+      <p:pic>
+        <p:nvPicPr>
+          <p:cNvPr id="78" name="Picture 77">
+            <a:extLst>
+              <a:ext uri="{FF2B5EF4-FFF2-40B4-BE49-F238E27FC236}">
+                <a16:creationId xmlns:a16="http://schemas.microsoft.com/office/drawing/2014/main" id="{705139EF-27DA-709C-E38C-CB0396305CE6}"/>
+              </a:ext>
+            </a:extLst>
+          </p:cNvPr>
+          <p:cNvPicPr>
+            <a:picLocks noChangeAspect="1"/>
+          </p:cNvPicPr>
+          <p:nvPr/>
+        </p:nvPicPr>
+        <p:blipFill rotWithShape="1">
+          <a:blip r:embed="rId2"/>
+          <a:srcRect l="54609" t="6374"/>
+          <a:stretch/>
+        </p:blipFill>
+        <p:spPr>
+          <a:xfrm>
+            <a:off x="16454040" y="12528001"/>
+            <a:ext cx="4868134" cy="3476082"/>
+          </a:xfrm>
+          <a:prstGeom prst="rect">
+            <a:avLst/>
+          </a:prstGeom>
+        </p:spPr>
+      </p:pic>
       <p:grpSp>
         <p:nvGrpSpPr>
-          <p:cNvPr id="3160" name="Group 3159">
-            <a:extLst>
-              <a:ext uri="{FF2B5EF4-FFF2-40B4-BE49-F238E27FC236}">
-                <a16:creationId xmlns:a16="http://schemas.microsoft.com/office/drawing/2014/main" id="{E8E2D0E9-6731-21B8-FA6B-131ADA46EC19}"/>
+          <p:cNvPr id="81" name="Group 80">
+            <a:extLst>
+              <a:ext uri="{FF2B5EF4-FFF2-40B4-BE49-F238E27FC236}">
+                <a16:creationId xmlns:a16="http://schemas.microsoft.com/office/drawing/2014/main" id="{C01E15D9-683B-8ABF-A9EA-EB47A48A9FB3}"/>
               </a:ext>
             </a:extLst>
           </p:cNvPr>
@@ -9808,120 +10592,18 @@
         </p:nvGrpSpPr>
         <p:grpSpPr>
           <a:xfrm>
-            <a:off x="12784737" y="11539590"/>
-            <a:ext cx="6874867" cy="3645848"/>
-            <a:chOff x="12387485" y="17018975"/>
-            <a:chExt cx="7567767" cy="4013306"/>
+            <a:off x="10830931" y="16652155"/>
+            <a:ext cx="5517953" cy="3524850"/>
+            <a:chOff x="10830931" y="16652155"/>
+            <a:chExt cx="5517953" cy="3524850"/>
           </a:xfrm>
         </p:grpSpPr>
-        <p:grpSp>
-          <p:nvGrpSpPr>
-            <p:cNvPr id="3161" name="Group 3160">
+        <p:sp>
+          <p:nvSpPr>
+            <p:cNvPr id="72" name="Text Box 36">
               <a:extLst>
                 <a:ext uri="{FF2B5EF4-FFF2-40B4-BE49-F238E27FC236}">
-                  <a16:creationId xmlns:a16="http://schemas.microsoft.com/office/drawing/2014/main" id="{2022F31B-5D21-C14D-F236-2B295E9CD401}"/>
-                </a:ext>
-              </a:extLst>
-            </p:cNvPr>
-            <p:cNvGrpSpPr/>
-            <p:nvPr/>
-          </p:nvGrpSpPr>
-          <p:grpSpPr>
-            <a:xfrm>
-              <a:off x="12387485" y="17018975"/>
-              <a:ext cx="7567767" cy="3711570"/>
-              <a:chOff x="939461" y="20123999"/>
-              <a:chExt cx="7076866" cy="3470810"/>
-            </a:xfrm>
-          </p:grpSpPr>
-          <p:pic>
-            <p:nvPicPr>
-              <p:cNvPr id="3163" name="Picture 3162">
-                <a:extLst>
-                  <a:ext uri="{FF2B5EF4-FFF2-40B4-BE49-F238E27FC236}">
-                    <a16:creationId xmlns:a16="http://schemas.microsoft.com/office/drawing/2014/main" id="{0943075D-CD4F-910E-84B0-6920FD8C7A50}"/>
-                  </a:ext>
-                </a:extLst>
-              </p:cNvPr>
-              <p:cNvPicPr>
-                <a:picLocks noChangeAspect="1"/>
-              </p:cNvPicPr>
-              <p:nvPr/>
-            </p:nvPicPr>
-            <p:blipFill rotWithShape="1">
-              <a:blip r:embed="rId12"/>
-              <a:srcRect r="48257" b="25459"/>
-              <a:stretch/>
-            </p:blipFill>
-            <p:spPr>
-              <a:xfrm>
-                <a:off x="1265676" y="20123999"/>
-                <a:ext cx="6750651" cy="3470810"/>
-              </a:xfrm>
-              <a:prstGeom prst="rect">
-                <a:avLst/>
-              </a:prstGeom>
-            </p:spPr>
-          </p:pic>
-          <p:sp>
-            <p:nvSpPr>
-              <p:cNvPr id="3164" name="Oval 3163">
-                <a:extLst>
-                  <a:ext uri="{FF2B5EF4-FFF2-40B4-BE49-F238E27FC236}">
-                    <a16:creationId xmlns:a16="http://schemas.microsoft.com/office/drawing/2014/main" id="{F6D236A8-6E56-0C98-D759-DD994D81E597}"/>
-                  </a:ext>
-                </a:extLst>
-              </p:cNvPr>
-              <p:cNvSpPr/>
-              <p:nvPr/>
-            </p:nvSpPr>
-            <p:spPr>
-              <a:xfrm>
-                <a:off x="939461" y="20760625"/>
-                <a:ext cx="3201442" cy="343111"/>
-              </a:xfrm>
-              <a:prstGeom prst="ellipse">
-                <a:avLst/>
-              </a:prstGeom>
-              <a:noFill/>
-              <a:ln>
-                <a:solidFill>
-                  <a:srgbClr val="FF0000"/>
-                </a:solidFill>
-              </a:ln>
-            </p:spPr>
-            <p:style>
-              <a:lnRef idx="2">
-                <a:schemeClr val="accent1">
-                  <a:shade val="50000"/>
-                </a:schemeClr>
-              </a:lnRef>
-              <a:fillRef idx="1">
-                <a:schemeClr val="accent1"/>
-              </a:fillRef>
-              <a:effectRef idx="0">
-                <a:schemeClr val="accent1"/>
-              </a:effectRef>
-              <a:fontRef idx="minor">
-                <a:schemeClr val="lt1"/>
-              </a:fontRef>
-            </p:style>
-            <p:txBody>
-              <a:bodyPr rtlCol="0" anchor="ctr"/>
-              <a:lstStyle/>
-              <a:p>
-                <a:pPr algn="ctr"/>
-                <a:endParaRPr lang="en-US"/>
-              </a:p>
-            </p:txBody>
-          </p:sp>
-        </p:grpSp>
-        <p:sp>
-          <p:nvSpPr>
-            <p:cNvPr id="3162" name="Text Box 36">
-              <a:extLst>
-                <a:ext uri="{FF2B5EF4-FFF2-40B4-BE49-F238E27FC236}">
-                  <a16:creationId xmlns:a16="http://schemas.microsoft.com/office/drawing/2014/main" id="{7AE0561C-4450-5FCA-DCD1-1CB09522F4AD}"/>
+                  <a16:creationId xmlns:a16="http://schemas.microsoft.com/office/drawing/2014/main" id="{AA95E5C9-3711-E4F5-E13D-033E87F04AEF}"/>
                 </a:ext>
               </a:extLst>
             </p:cNvPr>
@@ -9930,8 +10612,8 @@
           </p:nvSpPr>
           <p:spPr>
             <a:xfrm>
-              <a:off x="13712823" y="20585919"/>
-              <a:ext cx="5782182" cy="446362"/>
+              <a:off x="11096115" y="19395261"/>
+              <a:ext cx="5252769" cy="781744"/>
             </a:xfrm>
             <a:prstGeom prst="rect">
               <a:avLst/>
@@ -9964,7 +10646,22 @@
                   <a:ea typeface="DengXian" panose="02010600030101010101" pitchFamily="2" charset="-122"/>
                   <a:cs typeface="Arial" panose="020B0604020202020204" pitchFamily="34" charset="0"/>
                 </a:rPr>
-                <a:t>Figure 1. Visualization of 3D reconstruction</a:t>
+                <a:t>Figure 3. Visualization of 3D reconstruction</a:t>
+              </a:r>
+              <a:br>
+                <a:rPr lang="en-MY" sz="2000" dirty="0">
+                  <a:latin typeface="Arial" panose="020B0604020202020204" pitchFamily="34" charset="0"/>
+                  <a:ea typeface="DengXian" panose="02010600030101010101" pitchFamily="2" charset="-122"/>
+                  <a:cs typeface="Arial" panose="020B0604020202020204" pitchFamily="34" charset="0"/>
+                </a:rPr>
+              </a:br>
+              <a:r>
+                <a:rPr lang="en-MY" sz="2000" dirty="0">
+                  <a:latin typeface="Arial" panose="020B0604020202020204" pitchFamily="34" charset="0"/>
+                  <a:ea typeface="DengXian" panose="02010600030101010101" pitchFamily="2" charset="-122"/>
+                  <a:cs typeface="Arial" panose="020B0604020202020204" pitchFamily="34" charset="0"/>
+                </a:rPr>
+                <a:t>               at the load of 250N</a:t>
               </a:r>
               <a:endParaRPr lang="en-US" sz="2000" dirty="0">
                 <a:effectLst/>
@@ -9975,432 +10672,12 @@
             </a:p>
           </p:txBody>
         </p:sp>
-      </p:grpSp>
-      <p:sp>
-        <p:nvSpPr>
-          <p:cNvPr id="3165" name="Text Box 6">
-            <a:extLst>
-              <a:ext uri="{FF2B5EF4-FFF2-40B4-BE49-F238E27FC236}">
-                <a16:creationId xmlns:a16="http://schemas.microsoft.com/office/drawing/2014/main" id="{4701245C-3064-74BC-8866-99A8000ED8E6}"/>
-              </a:ext>
-            </a:extLst>
-          </p:cNvPr>
-          <p:cNvSpPr txBox="1"/>
-          <p:nvPr/>
-        </p:nvSpPr>
-        <p:spPr>
-          <a:xfrm>
-            <a:off x="14993205" y="20373193"/>
-            <a:ext cx="3243818" cy="723348"/>
-          </a:xfrm>
-          <a:prstGeom prst="rect">
-            <a:avLst/>
-          </a:prstGeom>
-          <a:noFill/>
-          <a:ln w="6350">
-            <a:noFill/>
-          </a:ln>
-        </p:spPr>
-        <p:txBody>
-          <a:bodyPr rot="0" spcFirstLastPara="0" vert="horz" wrap="square" lIns="91440" tIns="45720" rIns="91440" bIns="45720" numCol="1" spcCol="0" rtlCol="0" fromWordArt="0" anchor="t" anchorCtr="0" forceAA="0" compatLnSpc="1">
-            <a:prstTxWarp prst="textNoShape">
-              <a:avLst/>
-            </a:prstTxWarp>
-            <a:noAutofit/>
-          </a:bodyPr>
-          <a:lstStyle/>
-          <a:p>
-            <a:pPr>
-              <a:lnSpc>
-                <a:spcPct val="107000"/>
-              </a:lnSpc>
-              <a:spcAft>
-                <a:spcPts val="800"/>
-              </a:spcAft>
-            </a:pPr>
-            <a:r>
-              <a:rPr lang="en-US" altLang="zh-CN" sz="4000" b="1" dirty="0">
-                <a:effectLst/>
-                <a:latin typeface="Arial" panose="020B0604020202020204" pitchFamily="34" charset="0"/>
-                <a:ea typeface="DengXian" panose="02010600030101010101" pitchFamily="2" charset="-122"/>
-                <a:cs typeface="Arial" panose="020B0604020202020204" pitchFamily="34" charset="0"/>
-              </a:rPr>
-              <a:t>Conclusion</a:t>
-            </a:r>
-            <a:endParaRPr lang="en-US" sz="3600" dirty="0">
-              <a:effectLst/>
-              <a:latin typeface="Arial" panose="020B0604020202020204" pitchFamily="34" charset="0"/>
-              <a:ea typeface="DengXian" panose="02010600030101010101" pitchFamily="2" charset="-122"/>
-              <a:cs typeface="Arial" panose="020B0604020202020204" pitchFamily="34" charset="0"/>
-            </a:endParaRPr>
-          </a:p>
-        </p:txBody>
-      </p:sp>
-      <p:pic>
-        <p:nvPicPr>
-          <p:cNvPr id="3166" name="Picture 3165" descr="A picture containing dark, black, night sky&#10;&#10;Description automatically generated">
-            <a:extLst>
-              <a:ext uri="{FF2B5EF4-FFF2-40B4-BE49-F238E27FC236}">
-                <a16:creationId xmlns:a16="http://schemas.microsoft.com/office/drawing/2014/main" id="{6CF4F918-E124-6A43-42DE-13AF9B9FA770}"/>
-              </a:ext>
-            </a:extLst>
-          </p:cNvPr>
-          <p:cNvPicPr>
-            <a:picLocks noChangeAspect="1"/>
-          </p:cNvPicPr>
-          <p:nvPr/>
-        </p:nvPicPr>
-        <p:blipFill>
-          <a:blip r:embed="rId13">
-            <a:extLst>
-              <a:ext uri="{28A0092B-C50C-407E-A947-70E740481C1C}">
-                <a14:useLocalDpi xmlns:a14="http://schemas.microsoft.com/office/drawing/2010/main" val="0"/>
-              </a:ext>
-            </a:extLst>
-          </a:blip>
-          <a:stretch>
-            <a:fillRect/>
-          </a:stretch>
-        </p:blipFill>
-        <p:spPr>
-          <a:xfrm>
-            <a:off x="14166740" y="20405997"/>
-            <a:ext cx="639995" cy="592692"/>
-          </a:xfrm>
-          <a:prstGeom prst="rect">
-            <a:avLst/>
-          </a:prstGeom>
-        </p:spPr>
-      </p:pic>
-      <p:sp>
-        <p:nvSpPr>
-          <p:cNvPr id="3167" name="TextBox 3166">
-            <a:extLst>
-              <a:ext uri="{FF2B5EF4-FFF2-40B4-BE49-F238E27FC236}">
-                <a16:creationId xmlns:a16="http://schemas.microsoft.com/office/drawing/2014/main" id="{E6BBF834-B2A2-25C3-D764-BF3678763695}"/>
-              </a:ext>
-            </a:extLst>
-          </p:cNvPr>
-          <p:cNvSpPr txBox="1"/>
-          <p:nvPr/>
-        </p:nvSpPr>
-        <p:spPr>
-          <a:xfrm>
-            <a:off x="11515346" y="21391323"/>
-            <a:ext cx="9663487" cy="2677656"/>
-          </a:xfrm>
-          <a:prstGeom prst="rect">
-            <a:avLst/>
-          </a:prstGeom>
-          <a:noFill/>
-        </p:spPr>
-        <p:txBody>
-          <a:bodyPr wrap="square">
-            <a:spAutoFit/>
-          </a:bodyPr>
-          <a:lstStyle/>
-          <a:p>
-            <a:r>
-              <a:rPr lang="en-MY" sz="2400" dirty="0">
-                <a:latin typeface="Arial" panose="020B0604020202020204" pitchFamily="34" charset="0"/>
-                <a:cs typeface="Arial" panose="020B0604020202020204" pitchFamily="34" charset="0"/>
-              </a:rPr>
-              <a:t>To conclude, heavier load’s weight, larger spine angle, and greater number of repetitions are the 3 key factors to injury risk probability. By considering the number of repetitions of the activity allows us to identify more high-risk behaviours.</a:t>
-            </a:r>
-          </a:p>
-          <a:p>
-            <a:r>
-              <a:rPr lang="en-MY" sz="2400" dirty="0">
-                <a:latin typeface="Arial" panose="020B0604020202020204" pitchFamily="34" charset="0"/>
-                <a:cs typeface="Arial" panose="020B0604020202020204" pitchFamily="34" charset="0"/>
-              </a:rPr>
-              <a:t>Furthermore, the accuracy of the 3D pose estimation technique allows us to replace wearable-based technique such as IMU by computer vision.</a:t>
-            </a:r>
-          </a:p>
-        </p:txBody>
-      </p:sp>
-      <p:sp>
-        <p:nvSpPr>
-          <p:cNvPr id="3183" name="Rectangle: Top Corners Rounded 3182">
-            <a:extLst>
-              <a:ext uri="{FF2B5EF4-FFF2-40B4-BE49-F238E27FC236}">
-                <a16:creationId xmlns:a16="http://schemas.microsoft.com/office/drawing/2014/main" id="{C5C1C091-4BC5-E963-2969-9595D5AC6FEB}"/>
-              </a:ext>
-            </a:extLst>
-          </p:cNvPr>
-          <p:cNvSpPr/>
-          <p:nvPr/>
-        </p:nvSpPr>
-        <p:spPr>
-          <a:xfrm rot="5400000" flipH="1">
-            <a:off x="4995450" y="12176341"/>
-            <a:ext cx="5489952" cy="4720505"/>
-          </a:xfrm>
-          <a:prstGeom prst="round2SameRect">
-            <a:avLst/>
-          </a:prstGeom>
-          <a:noFill/>
-          <a:ln>
-            <a:solidFill>
-              <a:schemeClr val="accent1">
-                <a:lumMod val="60000"/>
-                <a:lumOff val="40000"/>
-              </a:schemeClr>
-            </a:solidFill>
-          </a:ln>
-        </p:spPr>
-        <p:style>
-          <a:lnRef idx="2">
-            <a:schemeClr val="accent1">
-              <a:shade val="50000"/>
-            </a:schemeClr>
-          </a:lnRef>
-          <a:fillRef idx="1">
-            <a:schemeClr val="accent1"/>
-          </a:fillRef>
-          <a:effectRef idx="0">
-            <a:schemeClr val="accent1"/>
-          </a:effectRef>
-          <a:fontRef idx="minor">
-            <a:schemeClr val="lt1"/>
-          </a:fontRef>
-        </p:style>
-        <p:txBody>
-          <a:bodyPr rtlCol="0" anchor="ctr"/>
-          <a:lstStyle/>
-          <a:p>
-            <a:pPr algn="ctr"/>
-            <a:endParaRPr lang="en-US"/>
-          </a:p>
-        </p:txBody>
-      </p:sp>
-      <p:sp>
-        <p:nvSpPr>
-          <p:cNvPr id="3184" name="Scroll: Horizontal 3183">
-            <a:extLst>
-              <a:ext uri="{FF2B5EF4-FFF2-40B4-BE49-F238E27FC236}">
-                <a16:creationId xmlns:a16="http://schemas.microsoft.com/office/drawing/2014/main" id="{B160A403-CA33-B14F-EA9E-B99315412BFF}"/>
-              </a:ext>
-            </a:extLst>
-          </p:cNvPr>
-          <p:cNvSpPr/>
-          <p:nvPr/>
-        </p:nvSpPr>
-        <p:spPr>
-          <a:xfrm>
-            <a:off x="11515345" y="24656904"/>
-            <a:ext cx="9663491" cy="1081036"/>
-          </a:xfrm>
-          <a:prstGeom prst="horizontalScroll">
-            <a:avLst/>
-          </a:prstGeom>
-          <a:solidFill>
-            <a:schemeClr val="accent2">
-              <a:lumMod val="20000"/>
-              <a:lumOff val="80000"/>
-            </a:schemeClr>
-          </a:solidFill>
-          <a:ln>
-            <a:solidFill>
-              <a:schemeClr val="accent2">
-                <a:lumMod val="40000"/>
-                <a:lumOff val="60000"/>
-              </a:schemeClr>
-            </a:solidFill>
-          </a:ln>
-          <a:effectLst>
-            <a:innerShdw blurRad="63500" dist="50800" dir="13500000">
-              <a:prstClr val="black">
-                <a:alpha val="50000"/>
-              </a:prstClr>
-            </a:innerShdw>
-          </a:effectLst>
-        </p:spPr>
-        <p:style>
-          <a:lnRef idx="2">
-            <a:schemeClr val="accent1">
-              <a:shade val="50000"/>
-            </a:schemeClr>
-          </a:lnRef>
-          <a:fillRef idx="1">
-            <a:schemeClr val="accent1"/>
-          </a:fillRef>
-          <a:effectRef idx="0">
-            <a:schemeClr val="accent1"/>
-          </a:effectRef>
-          <a:fontRef idx="minor">
-            <a:schemeClr val="lt1"/>
-          </a:fontRef>
-        </p:style>
-        <p:txBody>
-          <a:bodyPr rtlCol="0" anchor="ctr"/>
-          <a:lstStyle/>
-          <a:p>
-            <a:pPr algn="ctr"/>
-            <a:endParaRPr lang="en-US"/>
-          </a:p>
-        </p:txBody>
-      </p:sp>
-      <p:sp>
-        <p:nvSpPr>
-          <p:cNvPr id="3185" name="Text Box 6">
-            <a:extLst>
-              <a:ext uri="{FF2B5EF4-FFF2-40B4-BE49-F238E27FC236}">
-                <a16:creationId xmlns:a16="http://schemas.microsoft.com/office/drawing/2014/main" id="{30D3C093-4892-8DF7-5D80-C3E49447A50E}"/>
-              </a:ext>
-            </a:extLst>
-          </p:cNvPr>
-          <p:cNvSpPr txBox="1"/>
-          <p:nvPr/>
-        </p:nvSpPr>
-        <p:spPr>
-          <a:xfrm>
-            <a:off x="15020797" y="24833848"/>
-            <a:ext cx="3353917" cy="671493"/>
-          </a:xfrm>
-          <a:prstGeom prst="rect">
-            <a:avLst/>
-          </a:prstGeom>
-          <a:noFill/>
-          <a:ln w="6350">
-            <a:noFill/>
-          </a:ln>
-        </p:spPr>
-        <p:txBody>
-          <a:bodyPr rot="0" spcFirstLastPara="0" vert="horz" wrap="square" lIns="91440" tIns="45720" rIns="91440" bIns="45720" numCol="1" spcCol="0" rtlCol="0" fromWordArt="0" anchor="t" anchorCtr="0" forceAA="0" compatLnSpc="1">
-            <a:prstTxWarp prst="textNoShape">
-              <a:avLst/>
-            </a:prstTxWarp>
-            <a:noAutofit/>
-          </a:bodyPr>
-          <a:lstStyle/>
-          <a:p>
-            <a:pPr>
-              <a:lnSpc>
-                <a:spcPct val="107000"/>
-              </a:lnSpc>
-              <a:spcAft>
-                <a:spcPts val="800"/>
-              </a:spcAft>
-            </a:pPr>
-            <a:r>
-              <a:rPr lang="en-US" altLang="zh-CN" sz="4000" b="1" dirty="0">
-                <a:effectLst/>
-                <a:latin typeface="Arial" panose="020B0604020202020204" pitchFamily="34" charset="0"/>
-                <a:ea typeface="DengXian" panose="02010600030101010101" pitchFamily="2" charset="-122"/>
-                <a:cs typeface="Arial" panose="020B0604020202020204" pitchFamily="34" charset="0"/>
-              </a:rPr>
-              <a:t>Future Work</a:t>
-            </a:r>
-            <a:endParaRPr lang="en-US" sz="4000" dirty="0">
-              <a:effectLst/>
-              <a:latin typeface="Arial" panose="020B0604020202020204" pitchFamily="34" charset="0"/>
-              <a:ea typeface="DengXian" panose="02010600030101010101" pitchFamily="2" charset="-122"/>
-              <a:cs typeface="Arial" panose="020B0604020202020204" pitchFamily="34" charset="0"/>
-            </a:endParaRPr>
-          </a:p>
-        </p:txBody>
-      </p:sp>
-      <p:pic>
-        <p:nvPicPr>
-          <p:cNvPr id="3187" name="Picture 3186" descr="Text&#10;&#10;Description automatically generated">
-            <a:extLst>
-              <a:ext uri="{FF2B5EF4-FFF2-40B4-BE49-F238E27FC236}">
-                <a16:creationId xmlns:a16="http://schemas.microsoft.com/office/drawing/2014/main" id="{2F50E410-2E42-AC05-542E-EC9FFC7A7CE8}"/>
-              </a:ext>
-            </a:extLst>
-          </p:cNvPr>
-          <p:cNvPicPr>
-            <a:picLocks noChangeAspect="1"/>
-          </p:cNvPicPr>
-          <p:nvPr/>
-        </p:nvPicPr>
-        <p:blipFill>
-          <a:blip r:embed="rId14">
-            <a:extLst>
-              <a:ext uri="{28A0092B-C50C-407E-A947-70E740481C1C}">
-                <a14:useLocalDpi xmlns:a14="http://schemas.microsoft.com/office/drawing/2010/main" val="0"/>
-              </a:ext>
-            </a:extLst>
-          </a:blip>
-          <a:stretch>
-            <a:fillRect/>
-          </a:stretch>
-        </p:blipFill>
-        <p:spPr>
-          <a:xfrm>
-            <a:off x="14121711" y="24822361"/>
-            <a:ext cx="640285" cy="1042750"/>
-          </a:xfrm>
-          <a:prstGeom prst="rect">
-            <a:avLst/>
-          </a:prstGeom>
-        </p:spPr>
-      </p:pic>
-      <p:sp>
-        <p:nvSpPr>
-          <p:cNvPr id="3188" name="TextBox 3187">
-            <a:extLst>
-              <a:ext uri="{FF2B5EF4-FFF2-40B4-BE49-F238E27FC236}">
-                <a16:creationId xmlns:a16="http://schemas.microsoft.com/office/drawing/2014/main" id="{E15683AC-5BC1-8A17-439D-F275B0D44E03}"/>
-              </a:ext>
-            </a:extLst>
-          </p:cNvPr>
-          <p:cNvSpPr txBox="1"/>
-          <p:nvPr/>
-        </p:nvSpPr>
-        <p:spPr>
-          <a:xfrm>
-            <a:off x="11490903" y="25937119"/>
-            <a:ext cx="9687930" cy="2308324"/>
-          </a:xfrm>
-          <a:prstGeom prst="rect">
-            <a:avLst/>
-          </a:prstGeom>
-          <a:noFill/>
-        </p:spPr>
-        <p:txBody>
-          <a:bodyPr wrap="square">
-            <a:spAutoFit/>
-          </a:bodyPr>
-          <a:lstStyle/>
-          <a:p>
-            <a:r>
-              <a:rPr lang="en-MY" sz="2400" dirty="0">
-                <a:latin typeface="Arial" panose="020B0604020202020204" pitchFamily="34" charset="0"/>
-                <a:cs typeface="Arial" panose="020B0604020202020204" pitchFamily="34" charset="0"/>
-              </a:rPr>
-              <a:t>Currently, we are using average muscle area of both genders at a certain range of age, this may not apply to more extreme cases in terms of body fitness. And hence, more customizable ergonomic risk assessment framework can be developed in future to enhance the work. Other than that, the hyperparameters adjustment may be optimized further for the risk probability prediction.</a:t>
-            </a:r>
-          </a:p>
-        </p:txBody>
-      </p:sp>
-      <p:grpSp>
-        <p:nvGrpSpPr>
-          <p:cNvPr id="3157" name="Group 3156">
-            <a:extLst>
-              <a:ext uri="{FF2B5EF4-FFF2-40B4-BE49-F238E27FC236}">
-                <a16:creationId xmlns:a16="http://schemas.microsoft.com/office/drawing/2014/main" id="{FF7EC6CD-52F3-15E2-3157-0BE8500A3E2D}"/>
-              </a:ext>
-            </a:extLst>
-          </p:cNvPr>
-          <p:cNvGrpSpPr/>
-          <p:nvPr/>
-        </p:nvGrpSpPr>
-        <p:grpSpPr>
-          <a:xfrm>
-            <a:off x="11735527" y="15500025"/>
-            <a:ext cx="4685553" cy="4176468"/>
-            <a:chOff x="11125448" y="20545141"/>
-            <a:chExt cx="4968552" cy="4428720"/>
-          </a:xfrm>
-        </p:grpSpPr>
         <p:pic>
           <p:nvPicPr>
-            <p:cNvPr id="3158" name="Picture 3157">
+            <p:cNvPr id="79" name="Picture 78">
               <a:extLst>
                 <a:ext uri="{FF2B5EF4-FFF2-40B4-BE49-F238E27FC236}">
-                  <a16:creationId xmlns:a16="http://schemas.microsoft.com/office/drawing/2014/main" id="{A5F3199B-F0A3-FF48-36B0-09EA56366EE6}"/>
+                  <a16:creationId xmlns:a16="http://schemas.microsoft.com/office/drawing/2014/main" id="{979C071A-DF40-82EB-3D35-BAB7A490ED9F}"/>
                 </a:ext>
               </a:extLst>
             </p:cNvPr>
@@ -10410,14 +10687,14 @@
             <p:nvPr/>
           </p:nvPicPr>
           <p:blipFill rotWithShape="1">
-            <a:blip r:embed="rId12"/>
-            <a:srcRect l="54866" t="3520" r="980"/>
+            <a:blip r:embed="rId15"/>
+            <a:srcRect r="49774" b="24855"/>
             <a:stretch/>
           </p:blipFill>
           <p:spPr>
             <a:xfrm>
-              <a:off x="11125448" y="20545141"/>
-              <a:ext cx="4968552" cy="3874654"/>
+              <a:off x="10873420" y="16652155"/>
+              <a:ext cx="5453738" cy="2816766"/>
             </a:xfrm>
             <a:prstGeom prst="rect">
               <a:avLst/>
@@ -10426,10 +10703,83 @@
         </p:pic>
         <p:sp>
           <p:nvSpPr>
-            <p:cNvPr id="3159" name="Text Box 36">
+            <p:cNvPr id="80" name="Oval 79">
               <a:extLst>
                 <a:ext uri="{FF2B5EF4-FFF2-40B4-BE49-F238E27FC236}">
-                  <a16:creationId xmlns:a16="http://schemas.microsoft.com/office/drawing/2014/main" id="{E72F1F54-AF18-45D2-66F4-639B8C7EA9F1}"/>
+                  <a16:creationId xmlns:a16="http://schemas.microsoft.com/office/drawing/2014/main" id="{F2D0C768-F29E-AF25-4839-50C673122F16}"/>
+                </a:ext>
+              </a:extLst>
+            </p:cNvPr>
+            <p:cNvSpPr/>
+            <p:nvPr/>
+          </p:nvSpPr>
+          <p:spPr>
+            <a:xfrm>
+              <a:off x="10830931" y="17172338"/>
+              <a:ext cx="2282830" cy="268081"/>
+            </a:xfrm>
+            <a:prstGeom prst="ellipse">
+              <a:avLst/>
+            </a:prstGeom>
+            <a:noFill/>
+            <a:ln>
+              <a:solidFill>
+                <a:srgbClr val="FF0000"/>
+              </a:solidFill>
+            </a:ln>
+          </p:spPr>
+          <p:style>
+            <a:lnRef idx="2">
+              <a:schemeClr val="accent1">
+                <a:shade val="50000"/>
+              </a:schemeClr>
+            </a:lnRef>
+            <a:fillRef idx="1">
+              <a:schemeClr val="accent1"/>
+            </a:fillRef>
+            <a:effectRef idx="0">
+              <a:schemeClr val="accent1"/>
+            </a:effectRef>
+            <a:fontRef idx="minor">
+              <a:schemeClr val="lt1"/>
+            </a:fontRef>
+          </p:style>
+          <p:txBody>
+            <a:bodyPr rtlCol="0" anchor="ctr"/>
+            <a:lstStyle/>
+            <a:p>
+              <a:pPr algn="ctr"/>
+              <a:endParaRPr lang="en-US"/>
+            </a:p>
+          </p:txBody>
+        </p:sp>
+      </p:grpSp>
+      <p:grpSp>
+        <p:nvGrpSpPr>
+          <p:cNvPr id="85" name="Group 84">
+            <a:extLst>
+              <a:ext uri="{FF2B5EF4-FFF2-40B4-BE49-F238E27FC236}">
+                <a16:creationId xmlns:a16="http://schemas.microsoft.com/office/drawing/2014/main" id="{F8940EC7-7BCC-D372-EE23-6A35D9AE2193}"/>
+              </a:ext>
+            </a:extLst>
+          </p:cNvPr>
+          <p:cNvGrpSpPr/>
+          <p:nvPr/>
+        </p:nvGrpSpPr>
+        <p:grpSpPr>
+          <a:xfrm>
+            <a:off x="16446107" y="16778884"/>
+            <a:ext cx="4876067" cy="3905719"/>
+            <a:chOff x="16446107" y="16778884"/>
+            <a:chExt cx="4876067" cy="3905719"/>
+          </a:xfrm>
+        </p:grpSpPr>
+        <p:sp>
+          <p:nvSpPr>
+            <p:cNvPr id="3156" name="Text Box 36">
+              <a:extLst>
+                <a:ext uri="{FF2B5EF4-FFF2-40B4-BE49-F238E27FC236}">
+                  <a16:creationId xmlns:a16="http://schemas.microsoft.com/office/drawing/2014/main" id="{90953BE7-C72B-8398-FE22-C40CF2C36A61}"/>
                 </a:ext>
               </a:extLst>
             </p:cNvPr>
@@ -10438,8 +10788,8 @@
           </p:nvSpPr>
           <p:spPr>
             <a:xfrm>
-              <a:off x="11389099" y="24517011"/>
-              <a:ext cx="4704901" cy="456850"/>
+              <a:off x="16678397" y="20226308"/>
+              <a:ext cx="4329346" cy="458295"/>
             </a:xfrm>
             <a:prstGeom prst="rect">
               <a:avLst/>
@@ -10472,7 +10822,7 @@
                   <a:ea typeface="DengXian" panose="02010600030101010101" pitchFamily="2" charset="-122"/>
                   <a:cs typeface="Arial" panose="020B0604020202020204" pitchFamily="34" charset="0"/>
                 </a:rPr>
-                <a:t>Figure 2. Risk % at the load of 120N</a:t>
+                <a:t>Figure 4. Risk % at the load of 250N</a:t>
               </a:r>
               <a:endParaRPr lang="en-US" sz="2000" dirty="0">
                 <a:effectLst/>
@@ -10483,33 +10833,12 @@
             </a:p>
           </p:txBody>
         </p:sp>
-      </p:grpSp>
-      <p:grpSp>
-        <p:nvGrpSpPr>
-          <p:cNvPr id="3154" name="Group 3153">
-            <a:extLst>
-              <a:ext uri="{FF2B5EF4-FFF2-40B4-BE49-F238E27FC236}">
-                <a16:creationId xmlns:a16="http://schemas.microsoft.com/office/drawing/2014/main" id="{9FD252E3-3452-AD05-D074-CAFE1D55BC48}"/>
-              </a:ext>
-            </a:extLst>
-          </p:cNvPr>
-          <p:cNvGrpSpPr/>
-          <p:nvPr/>
-        </p:nvGrpSpPr>
-        <p:grpSpPr>
-          <a:xfrm>
-            <a:off x="16410632" y="15588644"/>
-            <a:ext cx="4579912" cy="4113481"/>
-            <a:chOff x="16454039" y="20568919"/>
-            <a:chExt cx="4968553" cy="4462542"/>
-          </a:xfrm>
-        </p:grpSpPr>
         <p:pic>
           <p:nvPicPr>
-            <p:cNvPr id="3155" name="Picture 3154">
+            <p:cNvPr id="83" name="Picture 82">
               <a:extLst>
                 <a:ext uri="{FF2B5EF4-FFF2-40B4-BE49-F238E27FC236}">
-                  <a16:creationId xmlns:a16="http://schemas.microsoft.com/office/drawing/2014/main" id="{8B8F32F5-67A0-8639-D17E-54D437113E8C}"/>
+                  <a16:creationId xmlns:a16="http://schemas.microsoft.com/office/drawing/2014/main" id="{B4A55F2C-03FE-B090-E5E7-4FC23455A876}"/>
                 </a:ext>
               </a:extLst>
             </p:cNvPr>
@@ -10518,120 +10847,22 @@
             </p:cNvPicPr>
             <p:nvPr/>
           </p:nvPicPr>
-          <p:blipFill>
+          <p:blipFill rotWithShape="1">
             <a:blip r:embed="rId15"/>
-            <a:stretch>
-              <a:fillRect/>
-            </a:stretch>
+            <a:srcRect l="54641" t="6395"/>
+            <a:stretch/>
           </p:blipFill>
           <p:spPr>
             <a:xfrm>
-              <a:off x="16454039" y="20568919"/>
-              <a:ext cx="4968553" cy="3797159"/>
+              <a:off x="16446107" y="16778884"/>
+              <a:ext cx="4876067" cy="3473671"/>
             </a:xfrm>
             <a:prstGeom prst="rect">
               <a:avLst/>
             </a:prstGeom>
           </p:spPr>
         </p:pic>
-        <p:sp>
-          <p:nvSpPr>
-            <p:cNvPr id="3156" name="Text Box 36">
-              <a:extLst>
-                <a:ext uri="{FF2B5EF4-FFF2-40B4-BE49-F238E27FC236}">
-                  <a16:creationId xmlns:a16="http://schemas.microsoft.com/office/drawing/2014/main" id="{90953BE7-C72B-8398-FE22-C40CF2C36A61}"/>
-                </a:ext>
-              </a:extLst>
-            </p:cNvPr>
-            <p:cNvSpPr txBox="1"/>
-            <p:nvPr/>
-          </p:nvSpPr>
-          <p:spPr>
-            <a:xfrm>
-              <a:off x="16589953" y="24534276"/>
-              <a:ext cx="4696725" cy="497185"/>
-            </a:xfrm>
-            <a:prstGeom prst="rect">
-              <a:avLst/>
-            </a:prstGeom>
-            <a:noFill/>
-            <a:ln w="6350">
-              <a:noFill/>
-            </a:ln>
-          </p:spPr>
-          <p:txBody>
-            <a:bodyPr rot="0" spcFirstLastPara="0" vert="horz" wrap="square" lIns="91440" tIns="45720" rIns="91440" bIns="45720" numCol="1" spcCol="0" rtlCol="0" fromWordArt="0" anchor="t" anchorCtr="0" forceAA="0" compatLnSpc="1">
-              <a:prstTxWarp prst="textNoShape">
-                <a:avLst/>
-              </a:prstTxWarp>
-              <a:noAutofit/>
-            </a:bodyPr>
-            <a:lstStyle/>
-            <a:p>
-              <a:pPr>
-                <a:lnSpc>
-                  <a:spcPct val="107000"/>
-                </a:lnSpc>
-                <a:spcAft>
-                  <a:spcPts val="800"/>
-                </a:spcAft>
-              </a:pPr>
-              <a:r>
-                <a:rPr lang="en-MY" sz="2000" dirty="0">
-                  <a:latin typeface="Arial" panose="020B0604020202020204" pitchFamily="34" charset="0"/>
-                  <a:ea typeface="DengXian" panose="02010600030101010101" pitchFamily="2" charset="-122"/>
-                  <a:cs typeface="Arial" panose="020B0604020202020204" pitchFamily="34" charset="0"/>
-                </a:rPr>
-                <a:t>Figure 3. Risk % at the load of 150N</a:t>
-              </a:r>
-              <a:endParaRPr lang="en-US" sz="2000" dirty="0">
-                <a:effectLst/>
-                <a:latin typeface="Arial" panose="020B0604020202020204" pitchFamily="34" charset="0"/>
-                <a:ea typeface="DengXian" panose="02010600030101010101" pitchFamily="2" charset="-122"/>
-                <a:cs typeface="Arial" panose="020B0604020202020204" pitchFamily="34" charset="0"/>
-              </a:endParaRPr>
-            </a:p>
-          </p:txBody>
-        </p:sp>
       </p:grpSp>
-      <p:cxnSp>
-        <p:nvCxnSpPr>
-          <p:cNvPr id="3191" name="Straight Connector 3190">
-            <a:extLst>
-              <a:ext uri="{FF2B5EF4-FFF2-40B4-BE49-F238E27FC236}">
-                <a16:creationId xmlns:a16="http://schemas.microsoft.com/office/drawing/2014/main" id="{FE3C8FDA-81FF-C50E-FF10-451E4B2A3F32}"/>
-              </a:ext>
-            </a:extLst>
-          </p:cNvPr>
-          <p:cNvCxnSpPr>
-            <a:cxnSpLocks/>
-          </p:cNvCxnSpPr>
-          <p:nvPr/>
-        </p:nvCxnSpPr>
-        <p:spPr>
-          <a:xfrm>
-            <a:off x="11053440" y="5591658"/>
-            <a:ext cx="0" cy="23157841"/>
-          </a:xfrm>
-          <a:prstGeom prst="line">
-            <a:avLst/>
-          </a:prstGeom>
-        </p:spPr>
-        <p:style>
-          <a:lnRef idx="1">
-            <a:schemeClr val="dk1"/>
-          </a:lnRef>
-          <a:fillRef idx="0">
-            <a:schemeClr val="dk1"/>
-          </a:fillRef>
-          <a:effectRef idx="0">
-            <a:schemeClr val="dk1"/>
-          </a:effectRef>
-          <a:fontRef idx="minor">
-            <a:schemeClr val="tx1"/>
-          </a:fontRef>
-        </p:style>
-      </p:cxnSp>
     </p:spTree>
     <p:extLst>
       <p:ext uri="{BB962C8B-B14F-4D97-AF65-F5344CB8AC3E}">
@@ -10931,12 +11162,12 @@
 </file>
 
 <file path=customXml/item1.xml><?xml version="1.0" encoding="utf-8"?>
-<?mso-contentType ?>
-<FormTemplates xmlns="http://schemas.microsoft.com/sharepoint/v3/contenttype/forms">
-  <Display>DocumentLibraryForm</Display>
-  <Edit>DocumentLibraryForm</Edit>
-  <New>DocumentLibraryForm</New>
-</FormTemplates>
+<p:properties xmlns:p="http://schemas.microsoft.com/office/2006/metadata/properties" xmlns:xsi="http://www.w3.org/2001/XMLSchema-instance" xmlns:pc="http://schemas.microsoft.com/office/infopath/2007/PartnerControls">
+  <documentManagement>
+    <PublishingExpirationDate xmlns="http://schemas.microsoft.com/sharepoint/v3" xsi:nil="true"/>
+    <PublishingStartDate xmlns="http://schemas.microsoft.com/sharepoint/v3" xsi:nil="true"/>
+  </documentManagement>
+</p:properties>
 </file>
 
 <file path=customXml/item2.xml><?xml version="1.0" encoding="utf-8"?>
@@ -11072,18 +11303,26 @@
 </file>
 
 <file path=customXml/item3.xml><?xml version="1.0" encoding="utf-8"?>
-<p:properties xmlns:p="http://schemas.microsoft.com/office/2006/metadata/properties" xmlns:xsi="http://www.w3.org/2001/XMLSchema-instance" xmlns:pc="http://schemas.microsoft.com/office/infopath/2007/PartnerControls">
-  <documentManagement>
-    <PublishingExpirationDate xmlns="http://schemas.microsoft.com/sharepoint/v3" xsi:nil="true"/>
-    <PublishingStartDate xmlns="http://schemas.microsoft.com/sharepoint/v3" xsi:nil="true"/>
-  </documentManagement>
-</p:properties>
+<?mso-contentType ?>
+<FormTemplates xmlns="http://schemas.microsoft.com/sharepoint/v3/contenttype/forms">
+  <Display>DocumentLibraryForm</Display>
+  <Edit>DocumentLibraryForm</Edit>
+  <New>DocumentLibraryForm</New>
+</FormTemplates>
 </file>
 
 <file path=customXml/itemProps1.xml><?xml version="1.0" encoding="utf-8"?>
-<ds:datastoreItem xmlns:ds="http://schemas.openxmlformats.org/officeDocument/2006/customXml" ds:itemID="{6EFD8C4A-05AF-47FA-8977-00F7A977B6F5}">
+<ds:datastoreItem xmlns:ds="http://schemas.openxmlformats.org/officeDocument/2006/customXml" ds:itemID="{E189E708-B13C-4F36-BA33-81092694155D}">
   <ds:schemaRefs>
-    <ds:schemaRef ds:uri="http://schemas.microsoft.com/sharepoint/v3/contenttype/forms"/>
+    <ds:schemaRef ds:uri="http://purl.org/dc/terms/"/>
+    <ds:schemaRef ds:uri="http://www.w3.org/XML/1998/namespace"/>
+    <ds:schemaRef ds:uri="http://schemas.microsoft.com/office/2006/documentManagement/types"/>
+    <ds:schemaRef ds:uri="http://schemas.microsoft.com/sharepoint/v3"/>
+    <ds:schemaRef ds:uri="http://schemas.microsoft.com/office/2006/metadata/properties"/>
+    <ds:schemaRef ds:uri="http://purl.org/dc/dcmitype/"/>
+    <ds:schemaRef ds:uri="http://purl.org/dc/elements/1.1/"/>
+    <ds:schemaRef ds:uri="http://schemas.microsoft.com/office/infopath/2007/PartnerControls"/>
+    <ds:schemaRef ds:uri="http://schemas.openxmlformats.org/package/2006/metadata/core-properties"/>
   </ds:schemaRefs>
 </ds:datastoreItem>
 </file>
@@ -11107,17 +11346,9 @@
 </file>
 
 <file path=customXml/itemProps3.xml><?xml version="1.0" encoding="utf-8"?>
-<ds:datastoreItem xmlns:ds="http://schemas.openxmlformats.org/officeDocument/2006/customXml" ds:itemID="{E189E708-B13C-4F36-BA33-81092694155D}">
+<ds:datastoreItem xmlns:ds="http://schemas.openxmlformats.org/officeDocument/2006/customXml" ds:itemID="{6EFD8C4A-05AF-47FA-8977-00F7A977B6F5}">
   <ds:schemaRefs>
-    <ds:schemaRef ds:uri="http://purl.org/dc/terms/"/>
-    <ds:schemaRef ds:uri="http://www.w3.org/XML/1998/namespace"/>
-    <ds:schemaRef ds:uri="http://schemas.microsoft.com/office/2006/documentManagement/types"/>
-    <ds:schemaRef ds:uri="http://schemas.microsoft.com/sharepoint/v3"/>
-    <ds:schemaRef ds:uri="http://schemas.microsoft.com/office/2006/metadata/properties"/>
-    <ds:schemaRef ds:uri="http://purl.org/dc/dcmitype/"/>
-    <ds:schemaRef ds:uri="http://purl.org/dc/elements/1.1/"/>
-    <ds:schemaRef ds:uri="http://schemas.microsoft.com/office/infopath/2007/PartnerControls"/>
-    <ds:schemaRef ds:uri="http://schemas.openxmlformats.org/package/2006/metadata/core-properties"/>
+    <ds:schemaRef ds:uri="http://schemas.microsoft.com/sharepoint/v3/contenttype/forms"/>
   </ds:schemaRefs>
 </ds:datastoreItem>
 </file>